--- a/resource/90.reference/[Saturn]프로세스 서비스/03.[예제]프로세스.pptx
+++ b/resource/90.reference/[Saturn]프로세스 서비스/03.[예제]프로세스.pptx
@@ -7,8 +7,9 @@
   <p:sldIdLst>
     <p:sldId id="266" r:id="rId2"/>
     <p:sldId id="265" r:id="rId3"/>
-    <p:sldId id="267" r:id="rId4"/>
-    <p:sldId id="264" r:id="rId5"/>
+    <p:sldId id="268" r:id="rId4"/>
+    <p:sldId id="269" r:id="rId5"/>
+    <p:sldId id="270" r:id="rId6"/>
   </p:sldIdLst>
   <p:sldSz cx="12192000" cy="6858000"/>
   <p:notesSz cx="6858000" cy="9144000"/>
@@ -246,7 +247,7 @@
           <a:p>
             <a:fld id="{B85D4E7D-25E4-4F2C-ABCD-577AFC99E5EC}" type="datetimeFigureOut">
               <a:rPr lang="ko-KR" altLang="en-US" smtClean="0"/>
-              <a:t>2024-09-25</a:t>
+              <a:t>2024-09-27</a:t>
             </a:fld>
             <a:endParaRPr lang="ko-KR" altLang="en-US"/>
           </a:p>
@@ -416,7 +417,7 @@
           <a:p>
             <a:fld id="{B85D4E7D-25E4-4F2C-ABCD-577AFC99E5EC}" type="datetimeFigureOut">
               <a:rPr lang="ko-KR" altLang="en-US" smtClean="0"/>
-              <a:t>2024-09-25</a:t>
+              <a:t>2024-09-27</a:t>
             </a:fld>
             <a:endParaRPr lang="ko-KR" altLang="en-US"/>
           </a:p>
@@ -596,7 +597,7 @@
           <a:p>
             <a:fld id="{B85D4E7D-25E4-4F2C-ABCD-577AFC99E5EC}" type="datetimeFigureOut">
               <a:rPr lang="ko-KR" altLang="en-US" smtClean="0"/>
-              <a:t>2024-09-25</a:t>
+              <a:t>2024-09-27</a:t>
             </a:fld>
             <a:endParaRPr lang="ko-KR" altLang="en-US"/>
           </a:p>
@@ -766,7 +767,7 @@
           <a:p>
             <a:fld id="{B85D4E7D-25E4-4F2C-ABCD-577AFC99E5EC}" type="datetimeFigureOut">
               <a:rPr lang="ko-KR" altLang="en-US" smtClean="0"/>
-              <a:t>2024-09-25</a:t>
+              <a:t>2024-09-27</a:t>
             </a:fld>
             <a:endParaRPr lang="ko-KR" altLang="en-US"/>
           </a:p>
@@ -1012,7 +1013,7 @@
           <a:p>
             <a:fld id="{B85D4E7D-25E4-4F2C-ABCD-577AFC99E5EC}" type="datetimeFigureOut">
               <a:rPr lang="ko-KR" altLang="en-US" smtClean="0"/>
-              <a:t>2024-09-25</a:t>
+              <a:t>2024-09-27</a:t>
             </a:fld>
             <a:endParaRPr lang="ko-KR" altLang="en-US"/>
           </a:p>
@@ -1244,7 +1245,7 @@
           <a:p>
             <a:fld id="{B85D4E7D-25E4-4F2C-ABCD-577AFC99E5EC}" type="datetimeFigureOut">
               <a:rPr lang="ko-KR" altLang="en-US" smtClean="0"/>
-              <a:t>2024-09-25</a:t>
+              <a:t>2024-09-27</a:t>
             </a:fld>
             <a:endParaRPr lang="ko-KR" altLang="en-US"/>
           </a:p>
@@ -1611,7 +1612,7 @@
           <a:p>
             <a:fld id="{B85D4E7D-25E4-4F2C-ABCD-577AFC99E5EC}" type="datetimeFigureOut">
               <a:rPr lang="ko-KR" altLang="en-US" smtClean="0"/>
-              <a:t>2024-09-25</a:t>
+              <a:t>2024-09-27</a:t>
             </a:fld>
             <a:endParaRPr lang="ko-KR" altLang="en-US"/>
           </a:p>
@@ -1729,7 +1730,7 @@
           <a:p>
             <a:fld id="{B85D4E7D-25E4-4F2C-ABCD-577AFC99E5EC}" type="datetimeFigureOut">
               <a:rPr lang="ko-KR" altLang="en-US" smtClean="0"/>
-              <a:t>2024-09-25</a:t>
+              <a:t>2024-09-27</a:t>
             </a:fld>
             <a:endParaRPr lang="ko-KR" altLang="en-US"/>
           </a:p>
@@ -1824,7 +1825,7 @@
           <a:p>
             <a:fld id="{B85D4E7D-25E4-4F2C-ABCD-577AFC99E5EC}" type="datetimeFigureOut">
               <a:rPr lang="ko-KR" altLang="en-US" smtClean="0"/>
-              <a:t>2024-09-25</a:t>
+              <a:t>2024-09-27</a:t>
             </a:fld>
             <a:endParaRPr lang="ko-KR" altLang="en-US"/>
           </a:p>
@@ -2101,7 +2102,7 @@
           <a:p>
             <a:fld id="{B85D4E7D-25E4-4F2C-ABCD-577AFC99E5EC}" type="datetimeFigureOut">
               <a:rPr lang="ko-KR" altLang="en-US" smtClean="0"/>
-              <a:t>2024-09-25</a:t>
+              <a:t>2024-09-27</a:t>
             </a:fld>
             <a:endParaRPr lang="ko-KR" altLang="en-US"/>
           </a:p>
@@ -2354,7 +2355,7 @@
           <a:p>
             <a:fld id="{B85D4E7D-25E4-4F2C-ABCD-577AFC99E5EC}" type="datetimeFigureOut">
               <a:rPr lang="ko-KR" altLang="en-US" smtClean="0"/>
-              <a:t>2024-09-25</a:t>
+              <a:t>2024-09-27</a:t>
             </a:fld>
             <a:endParaRPr lang="ko-KR" altLang="en-US"/>
           </a:p>
@@ -2567,7 +2568,7 @@
           <a:p>
             <a:fld id="{B85D4E7D-25E4-4F2C-ABCD-577AFC99E5EC}" type="datetimeFigureOut">
               <a:rPr lang="ko-KR" altLang="en-US" smtClean="0"/>
-              <a:t>2024-09-25</a:t>
+              <a:t>2024-09-27</a:t>
             </a:fld>
             <a:endParaRPr lang="ko-KR" altLang="en-US"/>
           </a:p>
@@ -3072,7 +3073,7 @@
         </p:nvSpPr>
         <p:spPr>
           <a:xfrm>
-            <a:off x="2858610" y="727969"/>
+            <a:off x="2956263" y="727969"/>
             <a:ext cx="1800000" cy="1800000"/>
           </a:xfrm>
           <a:prstGeom prst="flowChartDecision">
@@ -3573,7 +3574,9 @@
             <a:r>
               <a:rPr lang="en-US" altLang="ko-KR" sz="1200" dirty="0" smtClean="0">
                 <a:solidFill>
-                  <a:schemeClr val="tx1"/>
+                  <a:schemeClr val="bg2">
+                    <a:lumMod val="90000"/>
+                  </a:schemeClr>
                 </a:solidFill>
               </a:rPr>
               <a:t>[</a:t>
@@ -3581,7 +3584,9 @@
             <a:r>
               <a:rPr lang="ko-KR" altLang="en-US" sz="1200" dirty="0" smtClean="0">
                 <a:solidFill>
-                  <a:schemeClr val="tx1"/>
+                  <a:schemeClr val="bg2">
+                    <a:lumMod val="90000"/>
+                  </a:schemeClr>
                 </a:solidFill>
               </a:rPr>
               <a:t>변형된 직사각형</a:t>
@@ -3589,14 +3594,18 @@
             <a:r>
               <a:rPr lang="en-US" altLang="ko-KR" sz="1200" dirty="0" smtClean="0">
                 <a:solidFill>
-                  <a:schemeClr val="tx1"/>
+                  <a:schemeClr val="bg2">
+                    <a:lumMod val="90000"/>
+                  </a:schemeClr>
                 </a:solidFill>
               </a:rPr>
               <a:t>]</a:t>
             </a:r>
             <a:endParaRPr lang="en-US" altLang="ko-KR" sz="1200" dirty="0">
               <a:solidFill>
-                <a:schemeClr val="tx1"/>
+                <a:schemeClr val="bg2">
+                  <a:lumMod val="90000"/>
+                </a:schemeClr>
               </a:solidFill>
             </a:endParaRPr>
           </a:p>
@@ -3605,14 +3614,18 @@
             <a:r>
               <a:rPr lang="ko-KR" altLang="en-US" sz="1200" dirty="0" smtClean="0">
                 <a:solidFill>
-                  <a:schemeClr val="tx1"/>
+                  <a:schemeClr val="bg2">
+                    <a:lumMod val="90000"/>
+                  </a:schemeClr>
                 </a:solidFill>
               </a:rPr>
               <a:t>정의된 처리</a:t>
             </a:r>
             <a:endParaRPr lang="en-US" altLang="ko-KR" sz="1200" dirty="0" smtClean="0">
               <a:solidFill>
-                <a:schemeClr val="tx1"/>
+                <a:schemeClr val="bg2">
+                  <a:lumMod val="90000"/>
+                </a:schemeClr>
               </a:solidFill>
             </a:endParaRPr>
           </a:p>
@@ -3707,6 +3720,123 @@
               </a:rPr>
               <a:t>화면</a:t>
             </a:r>
+          </a:p>
+        </p:txBody>
+      </p:sp>
+      <p:sp>
+        <p:nvSpPr>
+          <p:cNvPr id="12" name="원통 11"/>
+          <p:cNvSpPr/>
+          <p:nvPr/>
+        </p:nvSpPr>
+        <p:spPr>
+          <a:xfrm>
+            <a:off x="8077484" y="3524435"/>
+            <a:ext cx="1676908" cy="1800000"/>
+          </a:xfrm>
+          <a:prstGeom prst="can">
+            <a:avLst/>
+          </a:prstGeom>
+          <a:solidFill>
+            <a:schemeClr val="bg1"/>
+          </a:solidFill>
+          <a:ln w="15875">
+            <a:solidFill>
+              <a:schemeClr val="bg2"/>
+            </a:solidFill>
+          </a:ln>
+        </p:spPr>
+        <p:style>
+          <a:lnRef idx="2">
+            <a:schemeClr val="accent1">
+              <a:shade val="50000"/>
+            </a:schemeClr>
+          </a:lnRef>
+          <a:fillRef idx="1">
+            <a:schemeClr val="accent1"/>
+          </a:fillRef>
+          <a:effectRef idx="0">
+            <a:schemeClr val="accent1"/>
+          </a:effectRef>
+          <a:fontRef idx="minor">
+            <a:schemeClr val="lt1"/>
+          </a:fontRef>
+        </p:style>
+        <p:txBody>
+          <a:bodyPr rtlCol="0" anchor="ctr"/>
+          <a:lstStyle/>
+          <a:p>
+            <a:pPr algn="ctr"/>
+            <a:r>
+              <a:rPr lang="en-US" altLang="ko-KR" sz="1200" dirty="0" smtClean="0">
+                <a:solidFill>
+                  <a:schemeClr val="bg2">
+                    <a:lumMod val="90000"/>
+                  </a:schemeClr>
+                </a:solidFill>
+              </a:rPr>
+              <a:t>[</a:t>
+            </a:r>
+            <a:r>
+              <a:rPr lang="ko-KR" altLang="en-US" sz="1200" dirty="0" smtClean="0">
+                <a:solidFill>
+                  <a:schemeClr val="bg2">
+                    <a:lumMod val="90000"/>
+                  </a:schemeClr>
+                </a:solidFill>
+              </a:rPr>
+              <a:t>데이터 </a:t>
+            </a:r>
+            <a:r>
+              <a:rPr lang="ko-KR" altLang="en-US" sz="1200" dirty="0" smtClean="0">
+                <a:solidFill>
+                  <a:schemeClr val="bg2">
+                    <a:lumMod val="90000"/>
+                  </a:schemeClr>
+                </a:solidFill>
+              </a:rPr>
+              <a:t>베</a:t>
+            </a:r>
+            <a:r>
+              <a:rPr lang="ko-KR" altLang="en-US" sz="1200" dirty="0" smtClean="0">
+                <a:solidFill>
+                  <a:schemeClr val="bg2">
+                    <a:lumMod val="90000"/>
+                  </a:schemeClr>
+                </a:solidFill>
+              </a:rPr>
+              <a:t>이스</a:t>
+            </a:r>
+            <a:r>
+              <a:rPr lang="en-US" altLang="ko-KR" sz="1200" dirty="0" smtClean="0">
+                <a:solidFill>
+                  <a:schemeClr val="bg2">
+                    <a:lumMod val="90000"/>
+                  </a:schemeClr>
+                </a:solidFill>
+              </a:rPr>
+              <a:t>]</a:t>
+            </a:r>
+          </a:p>
+          <a:p>
+            <a:pPr algn="ctr"/>
+            <a:r>
+              <a:rPr lang="en-US" altLang="ko-KR" sz="1200" dirty="0" smtClean="0">
+                <a:solidFill>
+                  <a:schemeClr val="bg2">
+                    <a:lumMod val="90000"/>
+                  </a:schemeClr>
+                </a:solidFill>
+              </a:rPr>
+              <a:t>DB </a:t>
+            </a:r>
+            <a:endParaRPr lang="ko-KR" altLang="en-US" sz="1200" dirty="0">
+              <a:solidFill>
+                <a:schemeClr val="bg2">
+                  <a:lumMod val="90000"/>
+                </a:schemeClr>
+              </a:solidFill>
+            </a:endParaRPr>
           </a:p>
         </p:txBody>
       </p:sp>
@@ -3847,12 +3977,6 @@
               </a:rPr>
               <a:t>로그인</a:t>
             </a:r>
-            <a:endParaRPr lang="ko-KR" altLang="en-US" sz="1200" dirty="0" smtClean="0">
-              <a:solidFill>
-                <a:schemeClr val="tx1"/>
-              </a:solidFill>
-              <a:latin typeface="+mn-ea"/>
-            </a:endParaRPr>
           </a:p>
         </p:txBody>
       </p:sp>
@@ -6116,6 +6240,1668 @@
       </p:grpSpPr>
       <p:sp>
         <p:nvSpPr>
+          <p:cNvPr id="5" name="순서도: 화면 표시 4"/>
+          <p:cNvSpPr/>
+          <p:nvPr/>
+        </p:nvSpPr>
+        <p:spPr>
+          <a:xfrm>
+            <a:off x="1707806" y="1108844"/>
+            <a:ext cx="1009017" cy="570487"/>
+          </a:xfrm>
+          <a:prstGeom prst="flowChartDisplay">
+            <a:avLst/>
+          </a:prstGeom>
+          <a:solidFill>
+            <a:srgbClr val="00B0F0"/>
+          </a:solidFill>
+          <a:ln w="15875">
+            <a:solidFill>
+              <a:schemeClr val="tx1"/>
+            </a:solidFill>
+          </a:ln>
+        </p:spPr>
+        <p:style>
+          <a:lnRef idx="2">
+            <a:schemeClr val="accent1">
+              <a:shade val="50000"/>
+            </a:schemeClr>
+          </a:lnRef>
+          <a:fillRef idx="1">
+            <a:schemeClr val="accent1"/>
+          </a:fillRef>
+          <a:effectRef idx="0">
+            <a:schemeClr val="accent1"/>
+          </a:effectRef>
+          <a:fontRef idx="minor">
+            <a:schemeClr val="lt1"/>
+          </a:fontRef>
+        </p:style>
+        <p:txBody>
+          <a:bodyPr rtlCol="0" anchor="ctr"/>
+          <a:lstStyle/>
+          <a:p>
+            <a:pPr algn="ctr"/>
+            <a:r>
+              <a:rPr lang="ko-KR" altLang="en-US" sz="1200" dirty="0" smtClean="0">
+                <a:solidFill>
+                  <a:schemeClr val="tx1"/>
+                </a:solidFill>
+                <a:latin typeface="+mn-ea"/>
+              </a:rPr>
+              <a:t>상품 페이지</a:t>
+            </a:r>
+            <a:endParaRPr lang="en-US" altLang="ko-KR" sz="1200" dirty="0" smtClean="0">
+              <a:solidFill>
+                <a:schemeClr val="tx1"/>
+              </a:solidFill>
+              <a:latin typeface="+mn-ea"/>
+            </a:endParaRPr>
+          </a:p>
+        </p:txBody>
+      </p:sp>
+      <p:sp>
+        <p:nvSpPr>
+          <p:cNvPr id="6" name="순서도: 화면 표시 5"/>
+          <p:cNvSpPr/>
+          <p:nvPr/>
+        </p:nvSpPr>
+        <p:spPr>
+          <a:xfrm>
+            <a:off x="1707806" y="4725414"/>
+            <a:ext cx="1009017" cy="552902"/>
+          </a:xfrm>
+          <a:prstGeom prst="flowChartDisplay">
+            <a:avLst/>
+          </a:prstGeom>
+          <a:solidFill>
+            <a:srgbClr val="00B0F0"/>
+          </a:solidFill>
+          <a:ln w="15875">
+            <a:solidFill>
+              <a:schemeClr val="tx1"/>
+            </a:solidFill>
+          </a:ln>
+        </p:spPr>
+        <p:style>
+          <a:lnRef idx="2">
+            <a:schemeClr val="accent1">
+              <a:shade val="50000"/>
+            </a:schemeClr>
+          </a:lnRef>
+          <a:fillRef idx="1">
+            <a:schemeClr val="accent1"/>
+          </a:fillRef>
+          <a:effectRef idx="0">
+            <a:schemeClr val="accent1"/>
+          </a:effectRef>
+          <a:fontRef idx="minor">
+            <a:schemeClr val="lt1"/>
+          </a:fontRef>
+        </p:style>
+        <p:txBody>
+          <a:bodyPr rtlCol="0" anchor="ctr"/>
+          <a:lstStyle/>
+          <a:p>
+            <a:pPr algn="ctr"/>
+            <a:r>
+              <a:rPr lang="ko-KR" altLang="en-US" sz="1200" dirty="0" smtClean="0">
+                <a:solidFill>
+                  <a:schemeClr val="tx1"/>
+                </a:solidFill>
+                <a:latin typeface="+mn-ea"/>
+              </a:rPr>
+              <a:t>상품 상세</a:t>
+            </a:r>
+            <a:endParaRPr lang="en-US" altLang="ko-KR" sz="1200" dirty="0" smtClean="0">
+              <a:solidFill>
+                <a:schemeClr val="tx1"/>
+              </a:solidFill>
+              <a:latin typeface="+mn-ea"/>
+            </a:endParaRPr>
+          </a:p>
+          <a:p>
+            <a:pPr algn="ctr"/>
+            <a:r>
+              <a:rPr lang="ko-KR" altLang="en-US" sz="1200" dirty="0" smtClean="0">
+                <a:solidFill>
+                  <a:schemeClr val="tx1"/>
+                </a:solidFill>
+                <a:latin typeface="+mn-ea"/>
+              </a:rPr>
+              <a:t>페이지</a:t>
+            </a:r>
+            <a:endParaRPr lang="en-US" altLang="ko-KR" sz="1200" dirty="0" smtClean="0">
+              <a:solidFill>
+                <a:schemeClr val="tx1"/>
+              </a:solidFill>
+              <a:latin typeface="+mn-ea"/>
+            </a:endParaRPr>
+          </a:p>
+        </p:txBody>
+      </p:sp>
+      <p:cxnSp>
+        <p:nvCxnSpPr>
+          <p:cNvPr id="10" name="직선 화살표 연결선 9"/>
+          <p:cNvCxnSpPr>
+            <a:stCxn id="5" idx="2"/>
+            <a:endCxn id="6" idx="0"/>
+          </p:cNvCxnSpPr>
+          <p:nvPr/>
+        </p:nvCxnSpPr>
+        <p:spPr>
+          <a:xfrm>
+            <a:off x="2212315" y="1679331"/>
+            <a:ext cx="0" cy="3046083"/>
+          </a:xfrm>
+          <a:prstGeom prst="straightConnector1">
+            <a:avLst/>
+          </a:prstGeom>
+          <a:ln>
+            <a:tailEnd type="triangle"/>
+          </a:ln>
+        </p:spPr>
+        <p:style>
+          <a:lnRef idx="1">
+            <a:schemeClr val="dk1"/>
+          </a:lnRef>
+          <a:fillRef idx="0">
+            <a:schemeClr val="dk1"/>
+          </a:fillRef>
+          <a:effectRef idx="0">
+            <a:schemeClr val="dk1"/>
+          </a:effectRef>
+          <a:fontRef idx="minor">
+            <a:schemeClr val="tx1"/>
+          </a:fontRef>
+        </p:style>
+      </p:cxnSp>
+      <p:sp>
+        <p:nvSpPr>
+          <p:cNvPr id="17" name="순서도: 화면 표시 16"/>
+          <p:cNvSpPr/>
+          <p:nvPr/>
+        </p:nvSpPr>
+        <p:spPr>
+          <a:xfrm>
+            <a:off x="7049421" y="4725414"/>
+            <a:ext cx="1009017" cy="552902"/>
+          </a:xfrm>
+          <a:prstGeom prst="flowChartDisplay">
+            <a:avLst/>
+          </a:prstGeom>
+          <a:solidFill>
+            <a:srgbClr val="00B0F0"/>
+          </a:solidFill>
+          <a:ln w="15875">
+            <a:solidFill>
+              <a:schemeClr val="tx1"/>
+            </a:solidFill>
+          </a:ln>
+        </p:spPr>
+        <p:style>
+          <a:lnRef idx="2">
+            <a:schemeClr val="accent1">
+              <a:shade val="50000"/>
+            </a:schemeClr>
+          </a:lnRef>
+          <a:fillRef idx="1">
+            <a:schemeClr val="accent1"/>
+          </a:fillRef>
+          <a:effectRef idx="0">
+            <a:schemeClr val="accent1"/>
+          </a:effectRef>
+          <a:fontRef idx="minor">
+            <a:schemeClr val="lt1"/>
+          </a:fontRef>
+        </p:style>
+        <p:txBody>
+          <a:bodyPr rtlCol="0" anchor="ctr"/>
+          <a:lstStyle/>
+          <a:p>
+            <a:pPr algn="ctr"/>
+            <a:r>
+              <a:rPr lang="ko-KR" altLang="en-US" sz="1200" dirty="0" smtClean="0">
+                <a:solidFill>
+                  <a:schemeClr val="tx1"/>
+                </a:solidFill>
+                <a:latin typeface="+mn-ea"/>
+              </a:rPr>
+              <a:t>찜 </a:t>
+            </a:r>
+            <a:endParaRPr lang="en-US" altLang="ko-KR" sz="1200" dirty="0" smtClean="0">
+              <a:solidFill>
+                <a:schemeClr val="tx1"/>
+              </a:solidFill>
+              <a:latin typeface="+mn-ea"/>
+            </a:endParaRPr>
+          </a:p>
+          <a:p>
+            <a:pPr algn="ctr"/>
+            <a:r>
+              <a:rPr lang="ko-KR" altLang="en-US" sz="1200" dirty="0" smtClean="0">
+                <a:solidFill>
+                  <a:schemeClr val="tx1"/>
+                </a:solidFill>
+                <a:latin typeface="+mn-ea"/>
+              </a:rPr>
+              <a:t>체크</a:t>
+            </a:r>
+            <a:endParaRPr lang="en-US" altLang="ko-KR" sz="1200" dirty="0" smtClean="0">
+              <a:solidFill>
+                <a:schemeClr val="tx1"/>
+              </a:solidFill>
+              <a:latin typeface="+mn-ea"/>
+            </a:endParaRPr>
+          </a:p>
+        </p:txBody>
+      </p:sp>
+      <p:sp>
+        <p:nvSpPr>
+          <p:cNvPr id="29" name="순서도: 수동 입력 28"/>
+          <p:cNvSpPr/>
+          <p:nvPr/>
+        </p:nvSpPr>
+        <p:spPr>
+          <a:xfrm>
+            <a:off x="3282043" y="4743012"/>
+            <a:ext cx="1248171" cy="540000"/>
+          </a:xfrm>
+          <a:prstGeom prst="flowChartManualInput">
+            <a:avLst/>
+          </a:prstGeom>
+          <a:ln/>
+        </p:spPr>
+        <p:style>
+          <a:lnRef idx="2">
+            <a:schemeClr val="dk1"/>
+          </a:lnRef>
+          <a:fillRef idx="1">
+            <a:schemeClr val="lt1"/>
+          </a:fillRef>
+          <a:effectRef idx="0">
+            <a:schemeClr val="dk1"/>
+          </a:effectRef>
+          <a:fontRef idx="minor">
+            <a:schemeClr val="dk1"/>
+          </a:fontRef>
+        </p:style>
+        <p:txBody>
+          <a:bodyPr rot="0" spcFirstLastPara="0" vertOverflow="overflow" horzOverflow="overflow" vert="horz" wrap="square" lIns="91440" tIns="45720" rIns="91440" bIns="45720" numCol="1" spcCol="0" rtlCol="0" fromWordArt="0" anchor="ctr" anchorCtr="0" forceAA="0" compatLnSpc="1">
+            <a:prstTxWarp prst="textNoShape">
+              <a:avLst/>
+            </a:prstTxWarp>
+            <a:noAutofit/>
+          </a:bodyPr>
+          <a:lstStyle/>
+          <a:p>
+            <a:pPr algn="ctr"/>
+            <a:r>
+              <a:rPr lang="ko-KR" altLang="en-US" sz="1200" dirty="0" smtClean="0">
+                <a:solidFill>
+                  <a:schemeClr val="tx1"/>
+                </a:solidFill>
+                <a:latin typeface="+mn-ea"/>
+              </a:rPr>
+              <a:t>찜 </a:t>
+            </a:r>
+            <a:r>
+              <a:rPr lang="ko-KR" altLang="en-US" sz="1200" dirty="0">
+                <a:solidFill>
+                  <a:schemeClr val="tx1"/>
+                </a:solidFill>
+                <a:latin typeface="+mn-ea"/>
+              </a:rPr>
+              <a:t>클릭</a:t>
+            </a:r>
+          </a:p>
+          <a:p>
+            <a:pPr algn="ctr"/>
+            <a:r>
+              <a:rPr lang="ko-KR" altLang="en-US" sz="1200" dirty="0" smtClean="0">
+                <a:solidFill>
+                  <a:schemeClr val="tx1"/>
+                </a:solidFill>
+                <a:latin typeface="+mn-ea"/>
+              </a:rPr>
+              <a:t> </a:t>
+            </a:r>
+            <a:endParaRPr lang="ko-KR" altLang="en-US" sz="1200" dirty="0">
+              <a:solidFill>
+                <a:schemeClr val="tx1"/>
+              </a:solidFill>
+              <a:latin typeface="+mn-ea"/>
+            </a:endParaRPr>
+          </a:p>
+        </p:txBody>
+      </p:sp>
+      <p:sp>
+        <p:nvSpPr>
+          <p:cNvPr id="40" name="순서도: 수동 입력 39"/>
+          <p:cNvSpPr/>
+          <p:nvPr/>
+        </p:nvSpPr>
+        <p:spPr>
+          <a:xfrm>
+            <a:off x="3282043" y="1136233"/>
+            <a:ext cx="1248171" cy="540000"/>
+          </a:xfrm>
+          <a:prstGeom prst="flowChartManualInput">
+            <a:avLst/>
+          </a:prstGeom>
+          <a:ln/>
+        </p:spPr>
+        <p:style>
+          <a:lnRef idx="2">
+            <a:schemeClr val="dk1"/>
+          </a:lnRef>
+          <a:fillRef idx="1">
+            <a:schemeClr val="lt1"/>
+          </a:fillRef>
+          <a:effectRef idx="0">
+            <a:schemeClr val="dk1"/>
+          </a:effectRef>
+          <a:fontRef idx="minor">
+            <a:schemeClr val="dk1"/>
+          </a:fontRef>
+        </p:style>
+        <p:txBody>
+          <a:bodyPr rot="0" spcFirstLastPara="0" vertOverflow="overflow" horzOverflow="overflow" vert="horz" wrap="square" lIns="91440" tIns="45720" rIns="91440" bIns="45720" numCol="1" spcCol="0" rtlCol="0" fromWordArt="0" anchor="ctr" anchorCtr="0" forceAA="0" compatLnSpc="1">
+            <a:prstTxWarp prst="textNoShape">
+              <a:avLst/>
+            </a:prstTxWarp>
+            <a:noAutofit/>
+          </a:bodyPr>
+          <a:lstStyle/>
+          <a:p>
+            <a:pPr algn="ctr"/>
+            <a:r>
+              <a:rPr lang="ko-KR" altLang="en-US" sz="1200" dirty="0" smtClean="0">
+                <a:solidFill>
+                  <a:schemeClr val="tx1"/>
+                </a:solidFill>
+                <a:latin typeface="+mn-ea"/>
+              </a:rPr>
+              <a:t>찜 </a:t>
+            </a:r>
+            <a:r>
+              <a:rPr lang="ko-KR" altLang="en-US" sz="1200" dirty="0">
+                <a:solidFill>
+                  <a:schemeClr val="tx1"/>
+                </a:solidFill>
+                <a:latin typeface="+mn-ea"/>
+              </a:rPr>
+              <a:t>클릭</a:t>
+            </a:r>
+          </a:p>
+          <a:p>
+            <a:pPr algn="ctr"/>
+            <a:r>
+              <a:rPr lang="ko-KR" altLang="en-US" sz="1200" dirty="0" smtClean="0">
+                <a:solidFill>
+                  <a:schemeClr val="tx1"/>
+                </a:solidFill>
+                <a:latin typeface="+mn-ea"/>
+              </a:rPr>
+              <a:t> </a:t>
+            </a:r>
+            <a:endParaRPr lang="ko-KR" altLang="en-US" sz="1200" dirty="0">
+              <a:solidFill>
+                <a:schemeClr val="tx1"/>
+              </a:solidFill>
+              <a:latin typeface="+mn-ea"/>
+            </a:endParaRPr>
+          </a:p>
+        </p:txBody>
+      </p:sp>
+      <p:sp>
+        <p:nvSpPr>
+          <p:cNvPr id="50" name="순서도: 화면 표시 49"/>
+          <p:cNvSpPr/>
+          <p:nvPr/>
+        </p:nvSpPr>
+        <p:spPr>
+          <a:xfrm>
+            <a:off x="7049421" y="1117636"/>
+            <a:ext cx="1009017" cy="552902"/>
+          </a:xfrm>
+          <a:prstGeom prst="flowChartDisplay">
+            <a:avLst/>
+          </a:prstGeom>
+          <a:solidFill>
+            <a:srgbClr val="00B0F0"/>
+          </a:solidFill>
+          <a:ln w="15875">
+            <a:solidFill>
+              <a:schemeClr val="tx1"/>
+            </a:solidFill>
+          </a:ln>
+        </p:spPr>
+        <p:style>
+          <a:lnRef idx="2">
+            <a:schemeClr val="accent1">
+              <a:shade val="50000"/>
+            </a:schemeClr>
+          </a:lnRef>
+          <a:fillRef idx="1">
+            <a:schemeClr val="accent1"/>
+          </a:fillRef>
+          <a:effectRef idx="0">
+            <a:schemeClr val="accent1"/>
+          </a:effectRef>
+          <a:fontRef idx="minor">
+            <a:schemeClr val="lt1"/>
+          </a:fontRef>
+        </p:style>
+        <p:txBody>
+          <a:bodyPr rtlCol="0" anchor="ctr"/>
+          <a:lstStyle/>
+          <a:p>
+            <a:pPr algn="ctr"/>
+            <a:r>
+              <a:rPr lang="ko-KR" altLang="en-US" sz="1200" dirty="0" smtClean="0">
+                <a:solidFill>
+                  <a:schemeClr val="tx1"/>
+                </a:solidFill>
+                <a:latin typeface="+mn-ea"/>
+              </a:rPr>
+              <a:t>찜 </a:t>
+            </a:r>
+            <a:endParaRPr lang="en-US" altLang="ko-KR" sz="1200" dirty="0" smtClean="0">
+              <a:solidFill>
+                <a:schemeClr val="tx1"/>
+              </a:solidFill>
+              <a:latin typeface="+mn-ea"/>
+            </a:endParaRPr>
+          </a:p>
+          <a:p>
+            <a:pPr algn="ctr"/>
+            <a:r>
+              <a:rPr lang="ko-KR" altLang="en-US" sz="1200" dirty="0" smtClean="0">
+                <a:solidFill>
+                  <a:schemeClr val="tx1"/>
+                </a:solidFill>
+                <a:latin typeface="+mn-ea"/>
+              </a:rPr>
+              <a:t>체크</a:t>
+            </a:r>
+            <a:endParaRPr lang="en-US" altLang="ko-KR" sz="1200" dirty="0" smtClean="0">
+              <a:solidFill>
+                <a:schemeClr val="tx1"/>
+              </a:solidFill>
+              <a:latin typeface="+mn-ea"/>
+            </a:endParaRPr>
+          </a:p>
+        </p:txBody>
+      </p:sp>
+      <p:sp>
+        <p:nvSpPr>
+          <p:cNvPr id="62" name="순서도: 화면 표시 61"/>
+          <p:cNvSpPr/>
+          <p:nvPr/>
+        </p:nvSpPr>
+        <p:spPr>
+          <a:xfrm>
+            <a:off x="10936997" y="2815929"/>
+            <a:ext cx="1080000" cy="540000"/>
+          </a:xfrm>
+          <a:prstGeom prst="flowChartDisplay">
+            <a:avLst/>
+          </a:prstGeom>
+          <a:solidFill>
+            <a:srgbClr val="00B0F0"/>
+          </a:solidFill>
+          <a:ln w="15875">
+            <a:solidFill>
+              <a:schemeClr val="tx1"/>
+            </a:solidFill>
+          </a:ln>
+        </p:spPr>
+        <p:style>
+          <a:lnRef idx="2">
+            <a:schemeClr val="accent1">
+              <a:shade val="50000"/>
+            </a:schemeClr>
+          </a:lnRef>
+          <a:fillRef idx="1">
+            <a:schemeClr val="accent1"/>
+          </a:fillRef>
+          <a:effectRef idx="0">
+            <a:schemeClr val="accent1"/>
+          </a:effectRef>
+          <a:fontRef idx="minor">
+            <a:schemeClr val="lt1"/>
+          </a:fontRef>
+        </p:style>
+        <p:txBody>
+          <a:bodyPr rtlCol="0" anchor="ctr"/>
+          <a:lstStyle/>
+          <a:p>
+            <a:pPr algn="ctr"/>
+            <a:r>
+              <a:rPr lang="ko-KR" altLang="en-US" sz="1200" dirty="0" smtClean="0">
+                <a:solidFill>
+                  <a:schemeClr val="tx1"/>
+                </a:solidFill>
+                <a:latin typeface="+mn-ea"/>
+              </a:rPr>
+              <a:t>찜 한</a:t>
+            </a:r>
+            <a:endParaRPr lang="en-US" altLang="ko-KR" sz="1200" dirty="0" smtClean="0">
+              <a:solidFill>
+                <a:schemeClr val="tx1"/>
+              </a:solidFill>
+              <a:latin typeface="+mn-ea"/>
+            </a:endParaRPr>
+          </a:p>
+          <a:p>
+            <a:pPr algn="ctr"/>
+            <a:r>
+              <a:rPr lang="ko-KR" altLang="en-US" sz="1200" dirty="0" smtClean="0">
+                <a:solidFill>
+                  <a:schemeClr val="tx1"/>
+                </a:solidFill>
+                <a:latin typeface="+mn-ea"/>
+              </a:rPr>
+              <a:t>상품</a:t>
+            </a:r>
+            <a:endParaRPr lang="en-US" altLang="ko-KR" sz="1200" dirty="0" smtClean="0">
+              <a:solidFill>
+                <a:schemeClr val="tx1"/>
+              </a:solidFill>
+              <a:latin typeface="+mn-ea"/>
+            </a:endParaRPr>
+          </a:p>
+        </p:txBody>
+      </p:sp>
+      <p:sp>
+        <p:nvSpPr>
+          <p:cNvPr id="65" name="순서도: 판단 64"/>
+          <p:cNvSpPr/>
+          <p:nvPr/>
+        </p:nvSpPr>
+        <p:spPr>
+          <a:xfrm>
+            <a:off x="8961321" y="2811427"/>
+            <a:ext cx="1440000" cy="540000"/>
+          </a:xfrm>
+          <a:prstGeom prst="flowChartDecision">
+            <a:avLst/>
+          </a:prstGeom>
+          <a:solidFill>
+            <a:schemeClr val="bg1"/>
+          </a:solidFill>
+          <a:ln w="15875">
+            <a:solidFill>
+              <a:schemeClr val="tx1"/>
+            </a:solidFill>
+          </a:ln>
+        </p:spPr>
+        <p:style>
+          <a:lnRef idx="2">
+            <a:schemeClr val="accent1">
+              <a:shade val="50000"/>
+            </a:schemeClr>
+          </a:lnRef>
+          <a:fillRef idx="1">
+            <a:schemeClr val="accent1"/>
+          </a:fillRef>
+          <a:effectRef idx="0">
+            <a:schemeClr val="accent1"/>
+          </a:effectRef>
+          <a:fontRef idx="minor">
+            <a:schemeClr val="lt1"/>
+          </a:fontRef>
+        </p:style>
+        <p:txBody>
+          <a:bodyPr rot="0" spcFirstLastPara="0" vertOverflow="overflow" horzOverflow="overflow" vert="horz" wrap="square" lIns="91440" tIns="45720" rIns="91440" bIns="45720" numCol="1" spcCol="0" rtlCol="0" fromWordArt="0" anchor="ctr" anchorCtr="0" forceAA="0" compatLnSpc="1">
+            <a:prstTxWarp prst="textNoShape">
+              <a:avLst/>
+            </a:prstTxWarp>
+            <a:noAutofit/>
+          </a:bodyPr>
+          <a:lstStyle/>
+          <a:p>
+            <a:pPr algn="ctr"/>
+            <a:r>
+              <a:rPr lang="ko-KR" altLang="en-US" sz="1200" dirty="0" smtClean="0">
+                <a:solidFill>
+                  <a:schemeClr val="tx1"/>
+                </a:solidFill>
+                <a:latin typeface="+mn-ea"/>
+              </a:rPr>
+              <a:t>회원</a:t>
+            </a:r>
+          </a:p>
+        </p:txBody>
+      </p:sp>
+      <p:cxnSp>
+        <p:nvCxnSpPr>
+          <p:cNvPr id="68" name="직선 화살표 연결선 67"/>
+          <p:cNvCxnSpPr>
+            <a:stCxn id="149" idx="4"/>
+            <a:endCxn id="65" idx="1"/>
+          </p:cNvCxnSpPr>
+          <p:nvPr/>
+        </p:nvCxnSpPr>
+        <p:spPr>
+          <a:xfrm>
+            <a:off x="8011923" y="3081427"/>
+            <a:ext cx="949398" cy="0"/>
+          </a:xfrm>
+          <a:prstGeom prst="straightConnector1">
+            <a:avLst/>
+          </a:prstGeom>
+          <a:ln>
+            <a:tailEnd type="triangle"/>
+          </a:ln>
+        </p:spPr>
+        <p:style>
+          <a:lnRef idx="1">
+            <a:schemeClr val="dk1"/>
+          </a:lnRef>
+          <a:fillRef idx="0">
+            <a:schemeClr val="dk1"/>
+          </a:fillRef>
+          <a:effectRef idx="0">
+            <a:schemeClr val="dk1"/>
+          </a:effectRef>
+          <a:fontRef idx="minor">
+            <a:schemeClr val="tx1"/>
+          </a:fontRef>
+        </p:style>
+      </p:cxnSp>
+      <p:cxnSp>
+        <p:nvCxnSpPr>
+          <p:cNvPr id="70" name="직선 화살표 연결선 69"/>
+          <p:cNvCxnSpPr>
+            <a:stCxn id="65" idx="3"/>
+            <a:endCxn id="62" idx="1"/>
+          </p:cNvCxnSpPr>
+          <p:nvPr/>
+        </p:nvCxnSpPr>
+        <p:spPr>
+          <a:xfrm>
+            <a:off x="10401321" y="3081427"/>
+            <a:ext cx="535676" cy="4502"/>
+          </a:xfrm>
+          <a:prstGeom prst="straightConnector1">
+            <a:avLst/>
+          </a:prstGeom>
+          <a:ln>
+            <a:tailEnd type="triangle"/>
+          </a:ln>
+        </p:spPr>
+        <p:style>
+          <a:lnRef idx="1">
+            <a:schemeClr val="dk1"/>
+          </a:lnRef>
+          <a:fillRef idx="0">
+            <a:schemeClr val="dk1"/>
+          </a:fillRef>
+          <a:effectRef idx="0">
+            <a:schemeClr val="dk1"/>
+          </a:effectRef>
+          <a:fontRef idx="minor">
+            <a:schemeClr val="tx1"/>
+          </a:fontRef>
+        </p:style>
+      </p:cxnSp>
+      <p:sp>
+        <p:nvSpPr>
+          <p:cNvPr id="79" name="순서도: 판단 78"/>
+          <p:cNvSpPr/>
+          <p:nvPr/>
+        </p:nvSpPr>
+        <p:spPr>
+          <a:xfrm>
+            <a:off x="5034723" y="1137245"/>
+            <a:ext cx="1440000" cy="540000"/>
+          </a:xfrm>
+          <a:prstGeom prst="flowChartDecision">
+            <a:avLst/>
+          </a:prstGeom>
+          <a:solidFill>
+            <a:schemeClr val="bg1"/>
+          </a:solidFill>
+          <a:ln w="15875">
+            <a:solidFill>
+              <a:schemeClr val="tx1"/>
+            </a:solidFill>
+          </a:ln>
+        </p:spPr>
+        <p:style>
+          <a:lnRef idx="2">
+            <a:schemeClr val="accent1">
+              <a:shade val="50000"/>
+            </a:schemeClr>
+          </a:lnRef>
+          <a:fillRef idx="1">
+            <a:schemeClr val="accent1"/>
+          </a:fillRef>
+          <a:effectRef idx="0">
+            <a:schemeClr val="accent1"/>
+          </a:effectRef>
+          <a:fontRef idx="minor">
+            <a:schemeClr val="lt1"/>
+          </a:fontRef>
+        </p:style>
+        <p:txBody>
+          <a:bodyPr rot="0" spcFirstLastPara="0" vertOverflow="overflow" horzOverflow="overflow" vert="horz" wrap="square" lIns="91440" tIns="45720" rIns="91440" bIns="45720" numCol="1" spcCol="0" rtlCol="0" fromWordArt="0" anchor="ctr" anchorCtr="0" forceAA="0" compatLnSpc="1">
+            <a:prstTxWarp prst="textNoShape">
+              <a:avLst/>
+            </a:prstTxWarp>
+            <a:noAutofit/>
+          </a:bodyPr>
+          <a:lstStyle/>
+          <a:p>
+            <a:pPr algn="ctr"/>
+            <a:r>
+              <a:rPr lang="ko-KR" altLang="en-US" sz="1200" dirty="0" smtClean="0">
+                <a:solidFill>
+                  <a:schemeClr val="tx1"/>
+                </a:solidFill>
+                <a:latin typeface="+mn-ea"/>
+              </a:rPr>
+              <a:t>해당</a:t>
+            </a:r>
+            <a:endParaRPr lang="en-US" altLang="ko-KR" sz="1200" dirty="0" smtClean="0">
+              <a:solidFill>
+                <a:schemeClr val="tx1"/>
+              </a:solidFill>
+              <a:latin typeface="+mn-ea"/>
+            </a:endParaRPr>
+          </a:p>
+          <a:p>
+            <a:pPr algn="ctr"/>
+            <a:r>
+              <a:rPr lang="ko-KR" altLang="en-US" sz="1200" dirty="0" smtClean="0">
+                <a:solidFill>
+                  <a:schemeClr val="tx1"/>
+                </a:solidFill>
+                <a:latin typeface="+mn-ea"/>
+              </a:rPr>
+              <a:t>상품</a:t>
+            </a:r>
+          </a:p>
+        </p:txBody>
+      </p:sp>
+      <p:cxnSp>
+        <p:nvCxnSpPr>
+          <p:cNvPr id="94" name="직선 화살표 연결선 93"/>
+          <p:cNvCxnSpPr>
+            <a:stCxn id="5" idx="3"/>
+            <a:endCxn id="40" idx="1"/>
+          </p:cNvCxnSpPr>
+          <p:nvPr/>
+        </p:nvCxnSpPr>
+        <p:spPr>
+          <a:xfrm>
+            <a:off x="2716823" y="1394088"/>
+            <a:ext cx="565220" cy="12145"/>
+          </a:xfrm>
+          <a:prstGeom prst="straightConnector1">
+            <a:avLst/>
+          </a:prstGeom>
+          <a:ln>
+            <a:tailEnd type="triangle"/>
+          </a:ln>
+        </p:spPr>
+        <p:style>
+          <a:lnRef idx="1">
+            <a:schemeClr val="dk1"/>
+          </a:lnRef>
+          <a:fillRef idx="0">
+            <a:schemeClr val="dk1"/>
+          </a:fillRef>
+          <a:effectRef idx="0">
+            <a:schemeClr val="dk1"/>
+          </a:effectRef>
+          <a:fontRef idx="minor">
+            <a:schemeClr val="tx1"/>
+          </a:fontRef>
+        </p:style>
+      </p:cxnSp>
+      <p:cxnSp>
+        <p:nvCxnSpPr>
+          <p:cNvPr id="96" name="직선 화살표 연결선 95"/>
+          <p:cNvCxnSpPr>
+            <a:stCxn id="6" idx="3"/>
+            <a:endCxn id="29" idx="1"/>
+          </p:cNvCxnSpPr>
+          <p:nvPr/>
+        </p:nvCxnSpPr>
+        <p:spPr>
+          <a:xfrm>
+            <a:off x="2716823" y="5001865"/>
+            <a:ext cx="565220" cy="11147"/>
+          </a:xfrm>
+          <a:prstGeom prst="straightConnector1">
+            <a:avLst/>
+          </a:prstGeom>
+          <a:ln>
+            <a:tailEnd type="triangle"/>
+          </a:ln>
+        </p:spPr>
+        <p:style>
+          <a:lnRef idx="1">
+            <a:schemeClr val="dk1"/>
+          </a:lnRef>
+          <a:fillRef idx="0">
+            <a:schemeClr val="dk1"/>
+          </a:fillRef>
+          <a:effectRef idx="0">
+            <a:schemeClr val="dk1"/>
+          </a:effectRef>
+          <a:fontRef idx="minor">
+            <a:schemeClr val="tx1"/>
+          </a:fontRef>
+        </p:style>
+      </p:cxnSp>
+      <p:sp>
+        <p:nvSpPr>
+          <p:cNvPr id="99" name="순서도: 판단 98"/>
+          <p:cNvSpPr/>
+          <p:nvPr/>
+        </p:nvSpPr>
+        <p:spPr>
+          <a:xfrm>
+            <a:off x="3968116" y="2821925"/>
+            <a:ext cx="1800000" cy="540000"/>
+          </a:xfrm>
+          <a:prstGeom prst="flowChartDecision">
+            <a:avLst/>
+          </a:prstGeom>
+          <a:solidFill>
+            <a:schemeClr val="bg1"/>
+          </a:solidFill>
+          <a:ln w="15875">
+            <a:solidFill>
+              <a:schemeClr val="tx1"/>
+            </a:solidFill>
+          </a:ln>
+        </p:spPr>
+        <p:style>
+          <a:lnRef idx="2">
+            <a:schemeClr val="accent1">
+              <a:shade val="50000"/>
+            </a:schemeClr>
+          </a:lnRef>
+          <a:fillRef idx="1">
+            <a:schemeClr val="accent1"/>
+          </a:fillRef>
+          <a:effectRef idx="0">
+            <a:schemeClr val="accent1"/>
+          </a:effectRef>
+          <a:fontRef idx="minor">
+            <a:schemeClr val="lt1"/>
+          </a:fontRef>
+        </p:style>
+        <p:txBody>
+          <a:bodyPr rot="0" spcFirstLastPara="0" vertOverflow="overflow" horzOverflow="overflow" vert="horz" wrap="square" lIns="91440" tIns="45720" rIns="91440" bIns="45720" numCol="1" spcCol="0" rtlCol="0" fromWordArt="0" anchor="ctr" anchorCtr="0" forceAA="0" compatLnSpc="1">
+            <a:prstTxWarp prst="textNoShape">
+              <a:avLst/>
+            </a:prstTxWarp>
+            <a:noAutofit/>
+          </a:bodyPr>
+          <a:lstStyle/>
+          <a:p>
+            <a:pPr algn="ctr"/>
+            <a:r>
+              <a:rPr lang="ko-KR" altLang="en-US" sz="1200" dirty="0" smtClean="0">
+                <a:solidFill>
+                  <a:schemeClr val="tx1"/>
+                </a:solidFill>
+                <a:latin typeface="+mn-ea"/>
+              </a:rPr>
+              <a:t>로그인</a:t>
+            </a:r>
+            <a:endParaRPr lang="en-US" altLang="ko-KR" sz="1200" dirty="0" smtClean="0">
+              <a:solidFill>
+                <a:schemeClr val="tx1"/>
+              </a:solidFill>
+              <a:latin typeface="+mn-ea"/>
+            </a:endParaRPr>
+          </a:p>
+          <a:p>
+            <a:pPr algn="ctr"/>
+            <a:r>
+              <a:rPr lang="ko-KR" altLang="en-US" sz="1200" dirty="0" smtClean="0">
+                <a:solidFill>
+                  <a:schemeClr val="tx1"/>
+                </a:solidFill>
+                <a:latin typeface="+mn-ea"/>
+              </a:rPr>
+              <a:t>체크  </a:t>
+            </a:r>
+          </a:p>
+        </p:txBody>
+      </p:sp>
+      <p:cxnSp>
+        <p:nvCxnSpPr>
+          <p:cNvPr id="101" name="직선 화살표 연결선 100"/>
+          <p:cNvCxnSpPr>
+            <a:stCxn id="40" idx="2"/>
+            <a:endCxn id="99" idx="0"/>
+          </p:cNvCxnSpPr>
+          <p:nvPr/>
+        </p:nvCxnSpPr>
+        <p:spPr>
+          <a:xfrm>
+            <a:off x="3906129" y="1676233"/>
+            <a:ext cx="961987" cy="1145692"/>
+          </a:xfrm>
+          <a:prstGeom prst="straightConnector1">
+            <a:avLst/>
+          </a:prstGeom>
+          <a:ln>
+            <a:tailEnd type="triangle"/>
+          </a:ln>
+        </p:spPr>
+        <p:style>
+          <a:lnRef idx="1">
+            <a:schemeClr val="dk1"/>
+          </a:lnRef>
+          <a:fillRef idx="0">
+            <a:schemeClr val="dk1"/>
+          </a:fillRef>
+          <a:effectRef idx="0">
+            <a:schemeClr val="dk1"/>
+          </a:effectRef>
+          <a:fontRef idx="minor">
+            <a:schemeClr val="tx1"/>
+          </a:fontRef>
+        </p:style>
+      </p:cxnSp>
+      <p:cxnSp>
+        <p:nvCxnSpPr>
+          <p:cNvPr id="110" name="직선 화살표 연결선 109"/>
+          <p:cNvCxnSpPr>
+            <a:stCxn id="99" idx="1"/>
+          </p:cNvCxnSpPr>
+          <p:nvPr/>
+        </p:nvCxnSpPr>
+        <p:spPr>
+          <a:xfrm flipH="1">
+            <a:off x="3510637" y="3091925"/>
+            <a:ext cx="457479" cy="0"/>
+          </a:xfrm>
+          <a:prstGeom prst="straightConnector1">
+            <a:avLst/>
+          </a:prstGeom>
+          <a:ln>
+            <a:tailEnd type="triangle"/>
+          </a:ln>
+        </p:spPr>
+        <p:style>
+          <a:lnRef idx="1">
+            <a:schemeClr val="dk1"/>
+          </a:lnRef>
+          <a:fillRef idx="0">
+            <a:schemeClr val="dk1"/>
+          </a:fillRef>
+          <a:effectRef idx="0">
+            <a:schemeClr val="dk1"/>
+          </a:effectRef>
+          <a:fontRef idx="minor">
+            <a:schemeClr val="tx1"/>
+          </a:fontRef>
+        </p:style>
+      </p:cxnSp>
+      <p:sp>
+        <p:nvSpPr>
+          <p:cNvPr id="111" name="TextBox 110"/>
+          <p:cNvSpPr txBox="1"/>
+          <p:nvPr/>
+        </p:nvSpPr>
+        <p:spPr>
+          <a:xfrm>
+            <a:off x="3542046" y="2811427"/>
+            <a:ext cx="394660" cy="276999"/>
+          </a:xfrm>
+          <a:prstGeom prst="rect">
+            <a:avLst/>
+          </a:prstGeom>
+          <a:noFill/>
+        </p:spPr>
+        <p:txBody>
+          <a:bodyPr wrap="none" rtlCol="0">
+            <a:spAutoFit/>
+          </a:bodyPr>
+          <a:lstStyle/>
+          <a:p>
+            <a:r>
+              <a:rPr lang="en-US" altLang="ko-KR" sz="1200" dirty="0" smtClean="0">
+                <a:latin typeface="+mn-ea"/>
+              </a:rPr>
+              <a:t>No</a:t>
+            </a:r>
+            <a:endParaRPr lang="ko-KR" altLang="en-US" sz="1200" dirty="0">
+              <a:latin typeface="+mn-ea"/>
+            </a:endParaRPr>
+          </a:p>
+        </p:txBody>
+      </p:sp>
+      <p:cxnSp>
+        <p:nvCxnSpPr>
+          <p:cNvPr id="113" name="직선 화살표 연결선 112"/>
+          <p:cNvCxnSpPr>
+            <a:stCxn id="99" idx="3"/>
+            <a:endCxn id="79" idx="2"/>
+          </p:cNvCxnSpPr>
+          <p:nvPr/>
+        </p:nvCxnSpPr>
+        <p:spPr>
+          <a:xfrm flipH="1" flipV="1">
+            <a:off x="5754723" y="1677245"/>
+            <a:ext cx="13393" cy="1414680"/>
+          </a:xfrm>
+          <a:prstGeom prst="straightConnector1">
+            <a:avLst/>
+          </a:prstGeom>
+          <a:ln>
+            <a:tailEnd type="triangle"/>
+          </a:ln>
+        </p:spPr>
+        <p:style>
+          <a:lnRef idx="1">
+            <a:schemeClr val="dk1"/>
+          </a:lnRef>
+          <a:fillRef idx="0">
+            <a:schemeClr val="dk1"/>
+          </a:fillRef>
+          <a:effectRef idx="0">
+            <a:schemeClr val="dk1"/>
+          </a:effectRef>
+          <a:fontRef idx="minor">
+            <a:schemeClr val="tx1"/>
+          </a:fontRef>
+        </p:style>
+      </p:cxnSp>
+      <p:cxnSp>
+        <p:nvCxnSpPr>
+          <p:cNvPr id="127" name="직선 화살표 연결선 126"/>
+          <p:cNvCxnSpPr>
+            <a:stCxn id="79" idx="3"/>
+            <a:endCxn id="50" idx="1"/>
+          </p:cNvCxnSpPr>
+          <p:nvPr/>
+        </p:nvCxnSpPr>
+        <p:spPr>
+          <a:xfrm flipV="1">
+            <a:off x="6474723" y="1394087"/>
+            <a:ext cx="574698" cy="13158"/>
+          </a:xfrm>
+          <a:prstGeom prst="straightConnector1">
+            <a:avLst/>
+          </a:prstGeom>
+          <a:ln>
+            <a:tailEnd type="triangle"/>
+          </a:ln>
+        </p:spPr>
+        <p:style>
+          <a:lnRef idx="1">
+            <a:schemeClr val="dk1"/>
+          </a:lnRef>
+          <a:fillRef idx="0">
+            <a:schemeClr val="dk1"/>
+          </a:fillRef>
+          <a:effectRef idx="0">
+            <a:schemeClr val="dk1"/>
+          </a:effectRef>
+          <a:fontRef idx="minor">
+            <a:schemeClr val="tx1"/>
+          </a:fontRef>
+        </p:style>
+      </p:cxnSp>
+      <p:cxnSp>
+        <p:nvCxnSpPr>
+          <p:cNvPr id="137" name="직선 화살표 연결선 136"/>
+          <p:cNvCxnSpPr>
+            <a:stCxn id="99" idx="3"/>
+            <a:endCxn id="17" idx="1"/>
+          </p:cNvCxnSpPr>
+          <p:nvPr/>
+        </p:nvCxnSpPr>
+        <p:spPr>
+          <a:xfrm>
+            <a:off x="5768116" y="3091925"/>
+            <a:ext cx="1281305" cy="1909940"/>
+          </a:xfrm>
+          <a:prstGeom prst="straightConnector1">
+            <a:avLst/>
+          </a:prstGeom>
+          <a:ln>
+            <a:tailEnd type="triangle"/>
+          </a:ln>
+        </p:spPr>
+        <p:style>
+          <a:lnRef idx="1">
+            <a:schemeClr val="dk1"/>
+          </a:lnRef>
+          <a:fillRef idx="0">
+            <a:schemeClr val="dk1"/>
+          </a:fillRef>
+          <a:effectRef idx="0">
+            <a:schemeClr val="dk1"/>
+          </a:effectRef>
+          <a:fontRef idx="minor">
+            <a:schemeClr val="tx1"/>
+          </a:fontRef>
+        </p:style>
+      </p:cxnSp>
+      <p:cxnSp>
+        <p:nvCxnSpPr>
+          <p:cNvPr id="139" name="직선 화살표 연결선 138"/>
+          <p:cNvCxnSpPr>
+            <a:stCxn id="29" idx="0"/>
+            <a:endCxn id="99" idx="2"/>
+          </p:cNvCxnSpPr>
+          <p:nvPr/>
+        </p:nvCxnSpPr>
+        <p:spPr>
+          <a:xfrm flipV="1">
+            <a:off x="3906129" y="3361925"/>
+            <a:ext cx="961987" cy="1435087"/>
+          </a:xfrm>
+          <a:prstGeom prst="straightConnector1">
+            <a:avLst/>
+          </a:prstGeom>
+          <a:ln>
+            <a:tailEnd type="triangle"/>
+          </a:ln>
+        </p:spPr>
+        <p:style>
+          <a:lnRef idx="1">
+            <a:schemeClr val="dk1"/>
+          </a:lnRef>
+          <a:fillRef idx="0">
+            <a:schemeClr val="dk1"/>
+          </a:fillRef>
+          <a:effectRef idx="0">
+            <a:schemeClr val="dk1"/>
+          </a:effectRef>
+          <a:fontRef idx="minor">
+            <a:schemeClr val="tx1"/>
+          </a:fontRef>
+        </p:style>
+      </p:cxnSp>
+      <p:sp>
+        <p:nvSpPr>
+          <p:cNvPr id="140" name="TextBox 139"/>
+          <p:cNvSpPr txBox="1"/>
+          <p:nvPr/>
+        </p:nvSpPr>
+        <p:spPr>
+          <a:xfrm>
+            <a:off x="5741580" y="2246085"/>
+            <a:ext cx="405752" cy="276999"/>
+          </a:xfrm>
+          <a:prstGeom prst="rect">
+            <a:avLst/>
+          </a:prstGeom>
+          <a:noFill/>
+        </p:spPr>
+        <p:txBody>
+          <a:bodyPr wrap="none" rtlCol="0">
+            <a:spAutoFit/>
+          </a:bodyPr>
+          <a:lstStyle/>
+          <a:p>
+            <a:r>
+              <a:rPr lang="en-US" altLang="ko-KR" sz="1200" dirty="0" smtClean="0">
+                <a:latin typeface="+mn-ea"/>
+              </a:rPr>
+              <a:t>Yes</a:t>
+            </a:r>
+            <a:endParaRPr lang="ko-KR" altLang="en-US" sz="1200" dirty="0">
+              <a:latin typeface="+mn-ea"/>
+            </a:endParaRPr>
+          </a:p>
+        </p:txBody>
+      </p:sp>
+      <p:sp>
+        <p:nvSpPr>
+          <p:cNvPr id="141" name="TextBox 140"/>
+          <p:cNvSpPr txBox="1"/>
+          <p:nvPr/>
+        </p:nvSpPr>
+        <p:spPr>
+          <a:xfrm>
+            <a:off x="6359053" y="3905169"/>
+            <a:ext cx="405752" cy="276999"/>
+          </a:xfrm>
+          <a:prstGeom prst="rect">
+            <a:avLst/>
+          </a:prstGeom>
+          <a:noFill/>
+        </p:spPr>
+        <p:txBody>
+          <a:bodyPr wrap="none" rtlCol="0">
+            <a:spAutoFit/>
+          </a:bodyPr>
+          <a:lstStyle/>
+          <a:p>
+            <a:r>
+              <a:rPr lang="en-US" altLang="ko-KR" sz="1200" dirty="0" smtClean="0">
+                <a:latin typeface="+mn-ea"/>
+              </a:rPr>
+              <a:t>Yes</a:t>
+            </a:r>
+            <a:endParaRPr lang="ko-KR" altLang="en-US" sz="1200" dirty="0">
+              <a:latin typeface="+mn-ea"/>
+            </a:endParaRPr>
+          </a:p>
+        </p:txBody>
+      </p:sp>
+      <p:sp>
+        <p:nvSpPr>
+          <p:cNvPr id="142" name="순서도: 수행의 시작/종료 141"/>
+          <p:cNvSpPr/>
+          <p:nvPr/>
+        </p:nvSpPr>
+        <p:spPr>
+          <a:xfrm>
+            <a:off x="244725" y="2811427"/>
+            <a:ext cx="1800000" cy="540000"/>
+          </a:xfrm>
+          <a:prstGeom prst="flowChartTerminator">
+            <a:avLst/>
+          </a:prstGeom>
+          <a:solidFill>
+            <a:schemeClr val="bg1"/>
+          </a:solidFill>
+          <a:ln w="15875">
+            <a:solidFill>
+              <a:schemeClr val="tx1"/>
+            </a:solidFill>
+          </a:ln>
+        </p:spPr>
+        <p:style>
+          <a:lnRef idx="2">
+            <a:schemeClr val="accent1">
+              <a:shade val="50000"/>
+            </a:schemeClr>
+          </a:lnRef>
+          <a:fillRef idx="1">
+            <a:schemeClr val="accent1"/>
+          </a:fillRef>
+          <a:effectRef idx="0">
+            <a:schemeClr val="accent1"/>
+          </a:effectRef>
+          <a:fontRef idx="minor">
+            <a:schemeClr val="lt1"/>
+          </a:fontRef>
+        </p:style>
+        <p:txBody>
+          <a:bodyPr rtlCol="0" anchor="ctr"/>
+          <a:lstStyle/>
+          <a:p>
+            <a:pPr algn="ctr"/>
+            <a:r>
+              <a:rPr lang="ko-KR" altLang="en-US" sz="1200" dirty="0" smtClean="0">
+                <a:solidFill>
+                  <a:schemeClr val="tx1"/>
+                </a:solidFill>
+                <a:latin typeface="+mn-ea"/>
+              </a:rPr>
+              <a:t>메인 화면</a:t>
+            </a:r>
+          </a:p>
+        </p:txBody>
+      </p:sp>
+      <p:cxnSp>
+        <p:nvCxnSpPr>
+          <p:cNvPr id="144" name="직선 화살표 연결선 143"/>
+          <p:cNvCxnSpPr>
+            <a:stCxn id="142" idx="0"/>
+            <a:endCxn id="5" idx="1"/>
+          </p:cNvCxnSpPr>
+          <p:nvPr/>
+        </p:nvCxnSpPr>
+        <p:spPr>
+          <a:xfrm flipV="1">
+            <a:off x="1144725" y="1394088"/>
+            <a:ext cx="563081" cy="1417339"/>
+          </a:xfrm>
+          <a:prstGeom prst="straightConnector1">
+            <a:avLst/>
+          </a:prstGeom>
+          <a:ln>
+            <a:tailEnd type="triangle"/>
+          </a:ln>
+        </p:spPr>
+        <p:style>
+          <a:lnRef idx="1">
+            <a:schemeClr val="dk1"/>
+          </a:lnRef>
+          <a:fillRef idx="0">
+            <a:schemeClr val="dk1"/>
+          </a:fillRef>
+          <a:effectRef idx="0">
+            <a:schemeClr val="dk1"/>
+          </a:effectRef>
+          <a:fontRef idx="minor">
+            <a:schemeClr val="tx1"/>
+          </a:fontRef>
+        </p:style>
+      </p:cxnSp>
+      <p:cxnSp>
+        <p:nvCxnSpPr>
+          <p:cNvPr id="146" name="직선 화살표 연결선 145"/>
+          <p:cNvCxnSpPr>
+            <a:stCxn id="142" idx="2"/>
+            <a:endCxn id="6" idx="1"/>
+          </p:cNvCxnSpPr>
+          <p:nvPr/>
+        </p:nvCxnSpPr>
+        <p:spPr>
+          <a:xfrm>
+            <a:off x="1144725" y="3351427"/>
+            <a:ext cx="563081" cy="1650438"/>
+          </a:xfrm>
+          <a:prstGeom prst="straightConnector1">
+            <a:avLst/>
+          </a:prstGeom>
+          <a:ln>
+            <a:tailEnd type="triangle"/>
+          </a:ln>
+        </p:spPr>
+        <p:style>
+          <a:lnRef idx="1">
+            <a:schemeClr val="dk1"/>
+          </a:lnRef>
+          <a:fillRef idx="0">
+            <a:schemeClr val="dk1"/>
+          </a:fillRef>
+          <a:effectRef idx="0">
+            <a:schemeClr val="dk1"/>
+          </a:effectRef>
+          <a:fontRef idx="minor">
+            <a:schemeClr val="tx1"/>
+          </a:fontRef>
+        </p:style>
+      </p:cxnSp>
+      <p:sp>
+        <p:nvSpPr>
+          <p:cNvPr id="147" name="TextBox 146"/>
+          <p:cNvSpPr txBox="1"/>
+          <p:nvPr/>
+        </p:nvSpPr>
+        <p:spPr>
+          <a:xfrm>
+            <a:off x="5368006" y="329605"/>
+            <a:ext cx="800219" cy="523220"/>
+          </a:xfrm>
+          <a:prstGeom prst="rect">
+            <a:avLst/>
+          </a:prstGeom>
+          <a:noFill/>
+        </p:spPr>
+        <p:txBody>
+          <a:bodyPr wrap="none" rtlCol="0">
+            <a:spAutoFit/>
+          </a:bodyPr>
+          <a:lstStyle/>
+          <a:p>
+            <a:pPr algn="ctr"/>
+            <a:r>
+              <a:rPr lang="en-US" altLang="ko-KR" sz="2800" b="1" dirty="0" smtClean="0">
+                <a:latin typeface="+mn-ea"/>
+              </a:rPr>
+              <a:t>[</a:t>
+            </a:r>
+            <a:r>
+              <a:rPr lang="ko-KR" altLang="en-US" sz="2800" b="1" dirty="0" smtClean="0">
+                <a:latin typeface="+mn-ea"/>
+              </a:rPr>
+              <a:t>찜</a:t>
+            </a:r>
+            <a:r>
+              <a:rPr lang="en-US" altLang="ko-KR" sz="2800" b="1" dirty="0" smtClean="0">
+                <a:latin typeface="+mn-ea"/>
+              </a:rPr>
+              <a:t>]</a:t>
+            </a:r>
+            <a:endParaRPr lang="ko-KR" altLang="en-US" sz="2800" b="1" dirty="0">
+              <a:latin typeface="+mn-ea"/>
+            </a:endParaRPr>
+          </a:p>
+        </p:txBody>
+      </p:sp>
+      <p:sp>
+        <p:nvSpPr>
+          <p:cNvPr id="148" name="순서도: 대체 처리 147"/>
+          <p:cNvSpPr/>
+          <p:nvPr/>
+        </p:nvSpPr>
+        <p:spPr>
+          <a:xfrm>
+            <a:off x="2423941" y="2820868"/>
+            <a:ext cx="1080000" cy="540000"/>
+          </a:xfrm>
+          <a:prstGeom prst="flowChartAlternateProcess">
+            <a:avLst/>
+          </a:prstGeom>
+          <a:solidFill>
+            <a:schemeClr val="bg1"/>
+          </a:solidFill>
+          <a:ln w="15875">
+            <a:solidFill>
+              <a:schemeClr val="tx1"/>
+            </a:solidFill>
+            <a:prstDash val="sysDot"/>
+          </a:ln>
+        </p:spPr>
+        <p:style>
+          <a:lnRef idx="2">
+            <a:schemeClr val="accent1">
+              <a:shade val="50000"/>
+            </a:schemeClr>
+          </a:lnRef>
+          <a:fillRef idx="1">
+            <a:schemeClr val="accent1"/>
+          </a:fillRef>
+          <a:effectRef idx="0">
+            <a:schemeClr val="accent1"/>
+          </a:effectRef>
+          <a:fontRef idx="minor">
+            <a:schemeClr val="lt1"/>
+          </a:fontRef>
+        </p:style>
+        <p:txBody>
+          <a:bodyPr rot="0" spcFirstLastPara="0" vertOverflow="overflow" horzOverflow="overflow" vert="horz" wrap="square" lIns="91440" tIns="45720" rIns="91440" bIns="45720" numCol="1" spcCol="0" rtlCol="0" fromWordArt="0" anchor="ctr" anchorCtr="0" forceAA="0" compatLnSpc="1">
+            <a:prstTxWarp prst="textNoShape">
+              <a:avLst/>
+            </a:prstTxWarp>
+            <a:noAutofit/>
+          </a:bodyPr>
+          <a:lstStyle/>
+          <a:p>
+            <a:pPr algn="ctr"/>
+            <a:r>
+              <a:rPr lang="ko-KR" altLang="en-US" sz="1200" dirty="0" smtClean="0">
+                <a:solidFill>
+                  <a:schemeClr val="tx1"/>
+                </a:solidFill>
+              </a:rPr>
+              <a:t>로그인</a:t>
+            </a:r>
+          </a:p>
+        </p:txBody>
+      </p:sp>
+      <p:sp>
+        <p:nvSpPr>
+          <p:cNvPr id="149" name="원통 148"/>
+          <p:cNvSpPr/>
+          <p:nvPr/>
+        </p:nvSpPr>
+        <p:spPr>
+          <a:xfrm>
+            <a:off x="7097523" y="2673201"/>
+            <a:ext cx="914400" cy="816452"/>
+          </a:xfrm>
+          <a:prstGeom prst="can">
+            <a:avLst/>
+          </a:prstGeom>
+          <a:solidFill>
+            <a:schemeClr val="bg1"/>
+          </a:solidFill>
+          <a:ln w="15875">
+            <a:solidFill>
+              <a:schemeClr val="tx1"/>
+            </a:solidFill>
+          </a:ln>
+        </p:spPr>
+        <p:style>
+          <a:lnRef idx="2">
+            <a:schemeClr val="accent1">
+              <a:shade val="50000"/>
+            </a:schemeClr>
+          </a:lnRef>
+          <a:fillRef idx="1">
+            <a:schemeClr val="accent1"/>
+          </a:fillRef>
+          <a:effectRef idx="0">
+            <a:schemeClr val="accent1"/>
+          </a:effectRef>
+          <a:fontRef idx="minor">
+            <a:schemeClr val="lt1"/>
+          </a:fontRef>
+        </p:style>
+        <p:txBody>
+          <a:bodyPr rtlCol="0" anchor="ctr"/>
+          <a:lstStyle/>
+          <a:p>
+            <a:pPr algn="ctr"/>
+            <a:r>
+              <a:rPr lang="en-US" altLang="ko-KR" sz="1200">
+                <a:solidFill>
+                  <a:schemeClr val="tx1"/>
+                </a:solidFill>
+              </a:rPr>
+              <a:t>DB</a:t>
+            </a:r>
+            <a:r>
+              <a:rPr lang="ko-KR" altLang="en-US" sz="1200">
+                <a:solidFill>
+                  <a:schemeClr val="tx1"/>
+                </a:solidFill>
+              </a:rPr>
+              <a:t>저장</a:t>
+            </a:r>
+            <a:endParaRPr lang="ko-KR" altLang="en-US" sz="1200" dirty="0">
+              <a:solidFill>
+                <a:schemeClr val="tx1"/>
+              </a:solidFill>
+            </a:endParaRPr>
+          </a:p>
+        </p:txBody>
+      </p:sp>
+      <p:cxnSp>
+        <p:nvCxnSpPr>
+          <p:cNvPr id="151" name="직선 화살표 연결선 150"/>
+          <p:cNvCxnSpPr>
+            <a:stCxn id="50" idx="2"/>
+            <a:endCxn id="149" idx="1"/>
+          </p:cNvCxnSpPr>
+          <p:nvPr/>
+        </p:nvCxnSpPr>
+        <p:spPr>
+          <a:xfrm>
+            <a:off x="7553930" y="1670538"/>
+            <a:ext cx="793" cy="1002663"/>
+          </a:xfrm>
+          <a:prstGeom prst="straightConnector1">
+            <a:avLst/>
+          </a:prstGeom>
+          <a:ln>
+            <a:tailEnd type="triangle"/>
+          </a:ln>
+        </p:spPr>
+        <p:style>
+          <a:lnRef idx="1">
+            <a:schemeClr val="dk1"/>
+          </a:lnRef>
+          <a:fillRef idx="0">
+            <a:schemeClr val="dk1"/>
+          </a:fillRef>
+          <a:effectRef idx="0">
+            <a:schemeClr val="dk1"/>
+          </a:effectRef>
+          <a:fontRef idx="minor">
+            <a:schemeClr val="tx1"/>
+          </a:fontRef>
+        </p:style>
+      </p:cxnSp>
+      <p:cxnSp>
+        <p:nvCxnSpPr>
+          <p:cNvPr id="153" name="직선 화살표 연결선 152"/>
+          <p:cNvCxnSpPr>
+            <a:stCxn id="17" idx="0"/>
+            <a:endCxn id="149" idx="3"/>
+          </p:cNvCxnSpPr>
+          <p:nvPr/>
+        </p:nvCxnSpPr>
+        <p:spPr>
+          <a:xfrm flipV="1">
+            <a:off x="7553930" y="3489653"/>
+            <a:ext cx="793" cy="1235761"/>
+          </a:xfrm>
+          <a:prstGeom prst="straightConnector1">
+            <a:avLst/>
+          </a:prstGeom>
+          <a:ln>
+            <a:tailEnd type="triangle"/>
+          </a:ln>
+        </p:spPr>
+        <p:style>
+          <a:lnRef idx="1">
+            <a:schemeClr val="dk1"/>
+          </a:lnRef>
+          <a:fillRef idx="0">
+            <a:schemeClr val="dk1"/>
+          </a:fillRef>
+          <a:effectRef idx="0">
+            <a:schemeClr val="dk1"/>
+          </a:effectRef>
+          <a:fontRef idx="minor">
+            <a:schemeClr val="tx1"/>
+          </a:fontRef>
+        </p:style>
+      </p:cxnSp>
+    </p:spTree>
+    <p:extLst>
+      <p:ext uri="{BB962C8B-B14F-4D97-AF65-F5344CB8AC3E}">
+        <p14:creationId xmlns:p14="http://schemas.microsoft.com/office/powerpoint/2010/main" val="3938896721"/>
+      </p:ext>
+    </p:extLst>
+  </p:cSld>
+  <p:clrMapOvr>
+    <a:masterClrMapping/>
+  </p:clrMapOvr>
+</p:sld>
+</file>
+
+<file path=ppt/slides/slide4.xml><?xml version="1.0" encoding="utf-8"?>
+<p:sld xmlns:a="http://schemas.openxmlformats.org/drawingml/2006/main" xmlns:r="http://schemas.openxmlformats.org/officeDocument/2006/relationships" xmlns:p="http://schemas.openxmlformats.org/presentationml/2006/main">
+  <p:cSld>
+    <p:spTree>
+      <p:nvGrpSpPr>
+        <p:cNvPr id="1" name=""/>
+        <p:cNvGrpSpPr/>
+        <p:nvPr/>
+      </p:nvGrpSpPr>
+      <p:grpSpPr>
+        <a:xfrm>
+          <a:off x="0" y="0"/>
+          <a:ext cx="0" cy="0"/>
+          <a:chOff x="0" y="0"/>
+          <a:chExt cx="0" cy="0"/>
+        </a:xfrm>
+      </p:grpSpPr>
+      <p:sp>
+        <p:nvSpPr>
           <p:cNvPr id="3" name="TextBox 2"/>
           <p:cNvSpPr txBox="1"/>
           <p:nvPr/>
@@ -6871,7 +8657,7 @@
     </p:spTree>
     <p:extLst>
       <p:ext uri="{BB962C8B-B14F-4D97-AF65-F5344CB8AC3E}">
-        <p14:creationId xmlns:p14="http://schemas.microsoft.com/office/powerpoint/2010/main" val="1352451699"/>
+        <p14:creationId xmlns:p14="http://schemas.microsoft.com/office/powerpoint/2010/main" val="3192594232"/>
       </p:ext>
     </p:extLst>
   </p:cSld>
@@ -6888,7 +8674,7 @@
 </p:sld>
 </file>
 
-<file path=ppt/slides/slide4.xml><?xml version="1.0" encoding="utf-8"?>
+<file path=ppt/slides/slide5.xml><?xml version="1.0" encoding="utf-8"?>
 <p:sld xmlns:a="http://schemas.openxmlformats.org/drawingml/2006/main" xmlns:r="http://schemas.openxmlformats.org/officeDocument/2006/relationships" xmlns:p="http://schemas.openxmlformats.org/presentationml/2006/main">
   <p:cSld>
     <p:spTree>
@@ -7425,7 +9211,7 @@
     </p:spTree>
     <p:extLst>
       <p:ext uri="{BB962C8B-B14F-4D97-AF65-F5344CB8AC3E}">
-        <p14:creationId xmlns:p14="http://schemas.microsoft.com/office/powerpoint/2010/main" val="2270315102"/>
+        <p14:creationId xmlns:p14="http://schemas.microsoft.com/office/powerpoint/2010/main" val="1475396354"/>
       </p:ext>
     </p:extLst>
   </p:cSld>
